--- a/Project Review PPT.pptx
+++ b/Project Review PPT.pptx
@@ -677,7 +677,7 @@
                 <a:latin typeface="Arial" panose="020B0604020202020204" pitchFamily="34" charset="0"/>
               </a:rPr>
               <a:pPr eaLnBrk="1" hangingPunct="1"/>
-              <a:t>22 September, 2022</a:t>
+              <a:t>5 April, 2023</a:t>
             </a:fld>
             <a:endParaRPr lang="en-AU" altLang="en-US">
               <a:latin typeface="Arial" panose="020B0604020202020204" pitchFamily="34" charset="0"/>
@@ -1275,7 +1275,7 @@
               <a:pPr>
                 <a:defRPr/>
               </a:pPr>
-              <a:t>9/22/2022</a:t>
+              <a:t>4/5/2023</a:t>
             </a:fld>
             <a:endParaRPr lang="en-US"/>
           </a:p>
@@ -1468,7 +1468,7 @@
               <a:pPr>
                 <a:defRPr/>
               </a:pPr>
-              <a:t>9/22/2022</a:t>
+              <a:t>4/5/2023</a:t>
             </a:fld>
             <a:endParaRPr lang="en-US"/>
           </a:p>
@@ -1700,7 +1700,7 @@
               <a:pPr>
                 <a:defRPr/>
               </a:pPr>
-              <a:t>9/22/2022</a:t>
+              <a:t>4/5/2023</a:t>
             </a:fld>
             <a:endParaRPr lang="en-US"/>
           </a:p>
@@ -1870,7 +1870,7 @@
               <a:pPr>
                 <a:defRPr/>
               </a:pPr>
-              <a:t>9/22/2022</a:t>
+              <a:t>4/5/2023</a:t>
             </a:fld>
             <a:endParaRPr lang="en-US"/>
           </a:p>
@@ -2017,7 +2017,7 @@
               <a:pPr>
                 <a:defRPr/>
               </a:pPr>
-              <a:t>9/22/2022</a:t>
+              <a:t>4/5/2023</a:t>
             </a:fld>
             <a:endParaRPr lang="en-US"/>
           </a:p>
@@ -2494,7 +2494,7 @@
               <a:pPr>
                 <a:defRPr/>
               </a:pPr>
-              <a:t>9/22/2022</a:t>
+              <a:t>4/5/2023</a:t>
             </a:fld>
             <a:endParaRPr lang="en-US"/>
           </a:p>
@@ -3500,16 +3500,12 @@
   <p:clrMapOvr>
     <a:masterClrMapping/>
   </p:clrMapOvr>
-  <mc:AlternateContent xmlns:mc="http://schemas.openxmlformats.org/markup-compatibility/2006" xmlns:p14="http://schemas.microsoft.com/office/powerpoint/2010/main">
-    <mc:Choice Requires="p14">
-      <p:transition spd="slow" p14:dur="1500">
-        <p14:reveal/>
-      </p:transition>
+  <mc:AlternateContent xmlns:mc="http://schemas.openxmlformats.org/markup-compatibility/2006">
+    <mc:Choice xmlns:p14="http://schemas.microsoft.com/office/powerpoint/2010/main" Requires="p14">
+      <p:transition p14:dur="0"/>
     </mc:Choice>
-    <mc:Fallback xmlns="">
-      <p:transition spd="slow">
-        <p:fade/>
-      </p:transition>
+    <mc:Fallback>
+      <p:transition/>
     </mc:Fallback>
   </mc:AlternateContent>
 </p:sld>
@@ -4235,16 +4231,12 @@
   <p:clrMapOvr>
     <a:masterClrMapping/>
   </p:clrMapOvr>
-  <mc:AlternateContent xmlns:mc="http://schemas.openxmlformats.org/markup-compatibility/2006" xmlns:p14="http://schemas.microsoft.com/office/powerpoint/2010/main">
-    <mc:Choice Requires="p14">
-      <p:transition spd="slow" p14:dur="1500">
-        <p14:reveal/>
-      </p:transition>
+  <mc:AlternateContent xmlns:mc="http://schemas.openxmlformats.org/markup-compatibility/2006">
+    <mc:Choice xmlns:p14="http://schemas.microsoft.com/office/powerpoint/2010/main" Requires="p14">
+      <p:transition p14:dur="0"/>
     </mc:Choice>
-    <mc:Fallback xmlns="">
-      <p:transition spd="slow">
-        <p:fade/>
-      </p:transition>
+    <mc:Fallback>
+      <p:transition/>
     </mc:Fallback>
   </mc:AlternateContent>
 </p:sld>
@@ -4568,16 +4560,12 @@
   <p:clrMapOvr>
     <a:masterClrMapping/>
   </p:clrMapOvr>
-  <mc:AlternateContent xmlns:mc="http://schemas.openxmlformats.org/markup-compatibility/2006" xmlns:p14="http://schemas.microsoft.com/office/powerpoint/2010/main">
-    <mc:Choice Requires="p14">
-      <p:transition spd="slow" p14:dur="1500">
-        <p14:reveal/>
-      </p:transition>
+  <mc:AlternateContent xmlns:mc="http://schemas.openxmlformats.org/markup-compatibility/2006">
+    <mc:Choice xmlns:p14="http://schemas.microsoft.com/office/powerpoint/2010/main" Requires="p14">
+      <p:transition p14:dur="0"/>
     </mc:Choice>
-    <mc:Fallback xmlns="">
-      <p:transition spd="slow">
-        <p:fade/>
-      </p:transition>
+    <mc:Fallback>
+      <p:transition/>
     </mc:Fallback>
   </mc:AlternateContent>
 </p:sld>
@@ -4680,16 +4668,12 @@
   <p:clrMapOvr>
     <a:masterClrMapping/>
   </p:clrMapOvr>
-  <mc:AlternateContent xmlns:mc="http://schemas.openxmlformats.org/markup-compatibility/2006" xmlns:p14="http://schemas.microsoft.com/office/powerpoint/2010/main">
-    <mc:Choice Requires="p14">
-      <p:transition spd="slow" p14:dur="1500">
-        <p14:reveal/>
-      </p:transition>
+  <mc:AlternateContent xmlns:mc="http://schemas.openxmlformats.org/markup-compatibility/2006">
+    <mc:Choice xmlns:p14="http://schemas.microsoft.com/office/powerpoint/2010/main" Requires="p14">
+      <p:transition p14:dur="0"/>
     </mc:Choice>
-    <mc:Fallback xmlns="">
-      <p:transition spd="slow">
-        <p:fade/>
-      </p:transition>
+    <mc:Fallback>
+      <p:transition/>
     </mc:Fallback>
   </mc:AlternateContent>
 </p:sld>
@@ -4842,16 +4826,12 @@
   <p:clrMapOvr>
     <a:masterClrMapping/>
   </p:clrMapOvr>
-  <mc:AlternateContent xmlns:mc="http://schemas.openxmlformats.org/markup-compatibility/2006" xmlns:p14="http://schemas.microsoft.com/office/powerpoint/2010/main">
-    <mc:Choice Requires="p14">
-      <p:transition spd="slow" p14:dur="1500">
-        <p14:reveal/>
-      </p:transition>
+  <mc:AlternateContent xmlns:mc="http://schemas.openxmlformats.org/markup-compatibility/2006">
+    <mc:Choice xmlns:p14="http://schemas.microsoft.com/office/powerpoint/2010/main" Requires="p14">
+      <p:transition p14:dur="0"/>
     </mc:Choice>
-    <mc:Fallback xmlns="">
-      <p:transition spd="slow">
-        <p:fade/>
-      </p:transition>
+    <mc:Fallback>
+      <p:transition/>
     </mc:Fallback>
   </mc:AlternateContent>
 </p:sld>
@@ -5492,16 +5472,12 @@
   <p:clrMapOvr>
     <a:masterClrMapping/>
   </p:clrMapOvr>
-  <mc:AlternateContent xmlns:mc="http://schemas.openxmlformats.org/markup-compatibility/2006" xmlns:p14="http://schemas.microsoft.com/office/powerpoint/2010/main">
-    <mc:Choice Requires="p14">
-      <p:transition spd="slow" p14:dur="1500">
-        <p14:reveal/>
-      </p:transition>
+  <mc:AlternateContent xmlns:mc="http://schemas.openxmlformats.org/markup-compatibility/2006">
+    <mc:Choice xmlns:p14="http://schemas.microsoft.com/office/powerpoint/2010/main" Requires="p14">
+      <p:transition p14:dur="0"/>
     </mc:Choice>
-    <mc:Fallback xmlns="">
-      <p:transition spd="slow">
-        <p:fade/>
-      </p:transition>
+    <mc:Fallback>
+      <p:transition/>
     </mc:Fallback>
   </mc:AlternateContent>
 </p:sld>
@@ -5559,16 +5535,12 @@
   <p:clrMapOvr>
     <a:masterClrMapping/>
   </p:clrMapOvr>
-  <mc:AlternateContent xmlns:mc="http://schemas.openxmlformats.org/markup-compatibility/2006" xmlns:p14="http://schemas.microsoft.com/office/powerpoint/2010/main">
-    <mc:Choice Requires="p14">
-      <p:transition spd="slow" p14:dur="1500">
-        <p14:reveal/>
-      </p:transition>
+  <mc:AlternateContent xmlns:mc="http://schemas.openxmlformats.org/markup-compatibility/2006">
+    <mc:Choice xmlns:p14="http://schemas.microsoft.com/office/powerpoint/2010/main" Requires="p14">
+      <p:transition p14:dur="0"/>
     </mc:Choice>
-    <mc:Fallback xmlns="">
-      <p:transition spd="slow">
-        <p:fade/>
-      </p:transition>
+    <mc:Fallback>
+      <p:transition/>
     </mc:Fallback>
   </mc:AlternateContent>
 </p:sld>
@@ -5626,16 +5598,12 @@
   <p:clrMapOvr>
     <a:masterClrMapping/>
   </p:clrMapOvr>
-  <mc:AlternateContent xmlns:mc="http://schemas.openxmlformats.org/markup-compatibility/2006" xmlns:p14="http://schemas.microsoft.com/office/powerpoint/2010/main">
-    <mc:Choice Requires="p14">
-      <p:transition spd="slow" p14:dur="1500">
-        <p14:reveal/>
-      </p:transition>
+  <mc:AlternateContent xmlns:mc="http://schemas.openxmlformats.org/markup-compatibility/2006">
+    <mc:Choice xmlns:p14="http://schemas.microsoft.com/office/powerpoint/2010/main" Requires="p14">
+      <p:transition p14:dur="0"/>
     </mc:Choice>
-    <mc:Fallback xmlns="">
-      <p:transition spd="slow">
-        <p:fade/>
-      </p:transition>
+    <mc:Fallback>
+      <p:transition/>
     </mc:Fallback>
   </mc:AlternateContent>
 </p:sld>
@@ -5826,16 +5794,12 @@
   <p:clrMapOvr>
     <a:masterClrMapping/>
   </p:clrMapOvr>
-  <mc:AlternateContent xmlns:mc="http://schemas.openxmlformats.org/markup-compatibility/2006" xmlns:p14="http://schemas.microsoft.com/office/powerpoint/2010/main">
-    <mc:Choice Requires="p14">
-      <p:transition spd="slow" p14:dur="1500">
-        <p14:reveal/>
-      </p:transition>
+  <mc:AlternateContent xmlns:mc="http://schemas.openxmlformats.org/markup-compatibility/2006">
+    <mc:Choice xmlns:p14="http://schemas.microsoft.com/office/powerpoint/2010/main" Requires="p14">
+      <p:transition p14:dur="0"/>
     </mc:Choice>
-    <mc:Fallback xmlns="">
-      <p:transition spd="slow">
-        <p:fade/>
-      </p:transition>
+    <mc:Fallback>
+      <p:transition/>
     </mc:Fallback>
   </mc:AlternateContent>
 </p:sld>
@@ -6248,16 +6212,12 @@
   <p:clrMapOvr>
     <a:masterClrMapping/>
   </p:clrMapOvr>
-  <mc:AlternateContent xmlns:mc="http://schemas.openxmlformats.org/markup-compatibility/2006" xmlns:p14="http://schemas.microsoft.com/office/powerpoint/2010/main">
-    <mc:Choice Requires="p14">
-      <p:transition spd="slow" p14:dur="1500">
-        <p14:reveal/>
-      </p:transition>
+  <mc:AlternateContent xmlns:mc="http://schemas.openxmlformats.org/markup-compatibility/2006">
+    <mc:Choice xmlns:p14="http://schemas.microsoft.com/office/powerpoint/2010/main" Requires="p14">
+      <p:transition p14:dur="0"/>
     </mc:Choice>
-    <mc:Fallback xmlns="">
-      <p:transition spd="slow">
-        <p:fade/>
-      </p:transition>
+    <mc:Fallback>
+      <p:transition/>
     </mc:Fallback>
   </mc:AlternateContent>
 </p:sld>
@@ -6539,16 +6499,12 @@
   <p:clrMapOvr>
     <a:masterClrMapping/>
   </p:clrMapOvr>
-  <mc:AlternateContent xmlns:mc="http://schemas.openxmlformats.org/markup-compatibility/2006" xmlns:p14="http://schemas.microsoft.com/office/powerpoint/2010/main">
-    <mc:Choice Requires="p14">
-      <p:transition spd="slow" p14:dur="1500">
-        <p14:reveal/>
-      </p:transition>
+  <mc:AlternateContent xmlns:mc="http://schemas.openxmlformats.org/markup-compatibility/2006">
+    <mc:Choice xmlns:p14="http://schemas.microsoft.com/office/powerpoint/2010/main" Requires="p14">
+      <p:transition p14:dur="0"/>
     </mc:Choice>
-    <mc:Fallback xmlns="">
-      <p:transition spd="slow">
-        <p:fade/>
-      </p:transition>
+    <mc:Fallback>
+      <p:transition/>
     </mc:Fallback>
   </mc:AlternateContent>
 </p:sld>
@@ -7029,16 +6985,12 @@
   <p:clrMapOvr>
     <a:masterClrMapping/>
   </p:clrMapOvr>
-  <mc:AlternateContent xmlns:mc="http://schemas.openxmlformats.org/markup-compatibility/2006" xmlns:p14="http://schemas.microsoft.com/office/powerpoint/2010/main">
-    <mc:Choice Requires="p14">
-      <p:transition spd="med" p14:dur="700">
-        <p:fade/>
-      </p:transition>
+  <mc:AlternateContent xmlns:mc="http://schemas.openxmlformats.org/markup-compatibility/2006">
+    <mc:Choice xmlns:p14="http://schemas.microsoft.com/office/powerpoint/2010/main" Requires="p14">
+      <p:transition p14:dur="0"/>
     </mc:Choice>
-    <mc:Fallback xmlns="">
-      <p:transition spd="med">
-        <p:fade/>
-      </p:transition>
+    <mc:Fallback>
+      <p:transition/>
     </mc:Fallback>
   </mc:AlternateContent>
 </p:sld>
@@ -7258,16 +7210,12 @@
   <p:clrMapOvr>
     <a:masterClrMapping/>
   </p:clrMapOvr>
-  <mc:AlternateContent xmlns:mc="http://schemas.openxmlformats.org/markup-compatibility/2006" xmlns:p14="http://schemas.microsoft.com/office/powerpoint/2010/main">
-    <mc:Choice Requires="p14">
-      <p:transition spd="slow" p14:dur="1500">
-        <p14:reveal/>
-      </p:transition>
+  <mc:AlternateContent xmlns:mc="http://schemas.openxmlformats.org/markup-compatibility/2006">
+    <mc:Choice xmlns:p14="http://schemas.microsoft.com/office/powerpoint/2010/main" Requires="p14">
+      <p:transition p14:dur="0"/>
     </mc:Choice>
-    <mc:Fallback xmlns="">
-      <p:transition spd="slow">
-        <p:fade/>
-      </p:transition>
+    <mc:Fallback>
+      <p:transition/>
     </mc:Fallback>
   </mc:AlternateContent>
 </p:sld>
@@ -7328,16 +7276,12 @@
   <p:clrMapOvr>
     <a:masterClrMapping/>
   </p:clrMapOvr>
-  <mc:AlternateContent xmlns:mc="http://schemas.openxmlformats.org/markup-compatibility/2006" xmlns:p14="http://schemas.microsoft.com/office/powerpoint/2010/main">
-    <mc:Choice Requires="p14">
-      <p:transition spd="slow" p14:dur="1500">
-        <p14:reveal/>
-      </p:transition>
+  <mc:AlternateContent xmlns:mc="http://schemas.openxmlformats.org/markup-compatibility/2006">
+    <mc:Choice xmlns:p14="http://schemas.microsoft.com/office/powerpoint/2010/main" Requires="p14">
+      <p:transition p14:dur="0"/>
     </mc:Choice>
-    <mc:Fallback xmlns="">
-      <p:transition spd="slow">
-        <p:fade/>
-      </p:transition>
+    <mc:Fallback>
+      <p:transition/>
     </mc:Fallback>
   </mc:AlternateContent>
 </p:sld>
@@ -7671,9 +7615,14 @@
   <p:clrMapOvr>
     <a:masterClrMapping/>
   </p:clrMapOvr>
-  <p:transition spd="slow">
-    <p:randomBar dir="vert"/>
-  </p:transition>
+  <mc:AlternateContent xmlns:mc="http://schemas.openxmlformats.org/markup-compatibility/2006">
+    <mc:Choice xmlns:p14="http://schemas.microsoft.com/office/powerpoint/2010/main" Requires="p14">
+      <p:transition p14:dur="10"/>
+    </mc:Choice>
+    <mc:Fallback>
+      <p:transition/>
+    </mc:Fallback>
+  </mc:AlternateContent>
 </p:sld>
 </file>
 
@@ -7853,16 +7802,12 @@
   <p:clrMapOvr>
     <a:masterClrMapping/>
   </p:clrMapOvr>
-  <mc:AlternateContent xmlns:mc="http://schemas.openxmlformats.org/markup-compatibility/2006" xmlns:p14="http://schemas.microsoft.com/office/powerpoint/2010/main">
-    <mc:Choice Requires="p14">
-      <p:transition spd="slow" p14:dur="800">
-        <p:circle/>
-      </p:transition>
+  <mc:AlternateContent xmlns:mc="http://schemas.openxmlformats.org/markup-compatibility/2006">
+    <mc:Choice xmlns:p14="http://schemas.microsoft.com/office/powerpoint/2010/main" Requires="p14">
+      <p:transition p14:dur="0"/>
     </mc:Choice>
-    <mc:Fallback xmlns="">
-      <p:transition spd="slow">
-        <p:circle/>
-      </p:transition>
+    <mc:Fallback>
+      <p:transition/>
     </mc:Fallback>
   </mc:AlternateContent>
 </p:sld>
@@ -8093,9 +8038,14 @@
   <p:clrMapOvr>
     <a:masterClrMapping/>
   </p:clrMapOvr>
-  <p:transition spd="med">
-    <p:pull/>
-  </p:transition>
+  <mc:AlternateContent xmlns:mc="http://schemas.openxmlformats.org/markup-compatibility/2006">
+    <mc:Choice xmlns:p14="http://schemas.microsoft.com/office/powerpoint/2010/main" Requires="p14">
+      <p:transition p14:dur="0"/>
+    </mc:Choice>
+    <mc:Fallback>
+      <p:transition/>
+    </mc:Fallback>
+  </mc:AlternateContent>
 </p:sld>
 </file>
 
@@ -8475,9 +8425,14 @@
   <p:clrMapOvr>
     <a:masterClrMapping/>
   </p:clrMapOvr>
-  <p:transition spd="slow">
-    <p:cover/>
-  </p:transition>
+  <mc:AlternateContent xmlns:mc="http://schemas.openxmlformats.org/markup-compatibility/2006">
+    <mc:Choice xmlns:p14="http://schemas.microsoft.com/office/powerpoint/2010/main" Requires="p14">
+      <p:transition p14:dur="0"/>
+    </mc:Choice>
+    <mc:Fallback>
+      <p:transition/>
+    </mc:Fallback>
+  </mc:AlternateContent>
 </p:sld>
 </file>
 
@@ -8619,16 +8574,12 @@
   <p:clrMapOvr>
     <a:masterClrMapping/>
   </p:clrMapOvr>
-  <mc:AlternateContent xmlns:mc="http://schemas.openxmlformats.org/markup-compatibility/2006" xmlns:p14="http://schemas.microsoft.com/office/powerpoint/2010/main">
-    <mc:Choice Requires="p14">
-      <p:transition spd="slow" p14:dur="800">
-        <p:circle/>
-      </p:transition>
+  <mc:AlternateContent xmlns:mc="http://schemas.openxmlformats.org/markup-compatibility/2006">
+    <mc:Choice xmlns:p14="http://schemas.microsoft.com/office/powerpoint/2010/main" Requires="p14">
+      <p:transition p14:dur="0"/>
     </mc:Choice>
-    <mc:Fallback xmlns="">
-      <p:transition spd="slow">
-        <p:circle/>
-      </p:transition>
+    <mc:Fallback>
+      <p:transition/>
     </mc:Fallback>
   </mc:AlternateContent>
 </p:sld>
@@ -8856,16 +8807,12 @@
   <p:clrMapOvr>
     <a:masterClrMapping/>
   </p:clrMapOvr>
-  <mc:AlternateContent xmlns:mc="http://schemas.openxmlformats.org/markup-compatibility/2006" xmlns:p14="http://schemas.microsoft.com/office/powerpoint/2010/main">
-    <mc:Choice Requires="p14">
-      <p:transition spd="slow" p14:dur="1500">
-        <p14:reveal/>
-      </p:transition>
+  <mc:AlternateContent xmlns:mc="http://schemas.openxmlformats.org/markup-compatibility/2006">
+    <mc:Choice xmlns:p14="http://schemas.microsoft.com/office/powerpoint/2010/main" Requires="p14">
+      <p:transition p14:dur="0"/>
     </mc:Choice>
-    <mc:Fallback xmlns="">
-      <p:transition spd="slow">
-        <p:fade/>
-      </p:transition>
+    <mc:Fallback>
+      <p:transition/>
     </mc:Fallback>
   </mc:AlternateContent>
 </p:sld>
@@ -9588,16 +9535,12 @@
   <p:clrMapOvr>
     <a:masterClrMapping/>
   </p:clrMapOvr>
-  <mc:AlternateContent xmlns:mc="http://schemas.openxmlformats.org/markup-compatibility/2006" xmlns:p14="http://schemas.microsoft.com/office/powerpoint/2010/main">
-    <mc:Choice Requires="p14">
-      <p:transition spd="slow" p14:dur="1500">
-        <p14:reveal/>
-      </p:transition>
+  <mc:AlternateContent xmlns:mc="http://schemas.openxmlformats.org/markup-compatibility/2006">
+    <mc:Choice xmlns:p14="http://schemas.microsoft.com/office/powerpoint/2010/main" Requires="p14">
+      <p:transition p14:dur="0"/>
     </mc:Choice>
-    <mc:Fallback xmlns="">
-      <p:transition spd="slow">
-        <p:fade/>
-      </p:transition>
+    <mc:Fallback>
+      <p:transition/>
     </mc:Fallback>
   </mc:AlternateContent>
 </p:sld>
